--- a/Manish_Dhorepatil_Innomatics_Project_Report with EDA.pptx
+++ b/Manish_Dhorepatil_Innomatics_Project_Report with EDA.pptx
@@ -268,7 +268,7 @@
       <p15:sldGuideLst xmlns:p15="http://schemas.microsoft.com/office/powerpoint/2012/main"/>
     </p:ext>
     <p:ext uri="GoogleSlidesCustomDataVersion2">
-      <go:slidesCustomData xmlns="" xmlns:mc="http://schemas.openxmlformats.org/markup-compatibility/2006" xmlns:mv="urn:schemas-microsoft-com:mac:vml" xmlns:c="http://schemas.openxmlformats.org/drawingml/2006/chart" xmlns:dgm="http://schemas.openxmlformats.org/drawingml/2006/diagram" xmlns:o="urn:schemas-microsoft-com:office:office" xmlns:v="urn:schemas-microsoft-com:vml" xmlns:pvml="urn:schemas-microsoft-com:office:powerpoint" xmlns:com="http://schemas.openxmlformats.org/drawingml/2006/compatibility" xmlns:p14="http://schemas.microsoft.com/office/powerpoint/2010/main" xmlns:p15="http://schemas.microsoft.com/office/powerpoint/2012/main" xmlns:ahyp="http://schemas.microsoft.com/office/drawing/2018/hyperlinkcolor" xmlns:go="http://customooxmlschemas.google.com/" r:id="rId18" roundtripDataSignature="AMtx7mhnFQsu0qTBRZ+C47HNp0tuHCNkog=="/>
+      <go:slidesCustomData xmlns:go="http://customooxmlschemas.google.com/" xmlns:ahyp="http://schemas.microsoft.com/office/drawing/2018/hyperlinkcolor" xmlns:p15="http://schemas.microsoft.com/office/powerpoint/2012/main" xmlns:p14="http://schemas.microsoft.com/office/powerpoint/2010/main" xmlns:com="http://schemas.openxmlformats.org/drawingml/2006/compatibility" xmlns:pvml="urn:schemas-microsoft-com:office:powerpoint" xmlns:v="urn:schemas-microsoft-com:vml" xmlns:o="urn:schemas-microsoft-com:office:office" xmlns:dgm="http://schemas.openxmlformats.org/drawingml/2006/diagram" xmlns:c="http://schemas.openxmlformats.org/drawingml/2006/chart" xmlns:mv="urn:schemas-microsoft-com:mac:vml" xmlns:mc="http://schemas.openxmlformats.org/markup-compatibility/2006" xmlns="" r:id="rId18" roundtripDataSignature="AMtx7mhnFQsu0qTBRZ+C47HNp0tuHCNkog=="/>
     </p:ext>
   </p:extLst>
 </p:presentation>
@@ -12621,8 +12621,25 @@
                 <a:effectLst/>
                 <a:latin typeface="Söhne"/>
               </a:rPr>
-              <a:t>BTech student specializing in Artificial Intelligence and Data Science.</a:t>
+              <a:t>BTech student specializing in Electronics and </a:t>
             </a:r>
+            <a:r>
+              <a:rPr lang="en-US" sz="2000" b="0" i="0">
+                <a:solidFill>
+                  <a:schemeClr val="tx1"/>
+                </a:solidFill>
+                <a:effectLst/>
+                <a:latin typeface="Söhne"/>
+              </a:rPr>
+              <a:t>Telecomunication.</a:t>
+            </a:r>
+            <a:endParaRPr lang="en-US" sz="2000" b="0" i="0" dirty="0">
+              <a:solidFill>
+                <a:schemeClr val="tx1"/>
+              </a:solidFill>
+              <a:effectLst/>
+              <a:latin typeface="Söhne"/>
+            </a:endParaRPr>
           </a:p>
           <a:p>
             <a:pPr marL="742950" lvl="1" indent="-285750" algn="l">
@@ -13022,19 +13039,15 @@
           <a:p>
             <a:r>
               <a:rPr lang="en-IN" dirty="0"/>
-              <a:t>I am </a:t>
+              <a:t>I am Manish </a:t>
             </a:r>
             <a:r>
-              <a:rPr lang="en-IN" b="1" dirty="0">
-                <a:solidFill>
-                  <a:schemeClr val="tx1"/>
-                </a:solidFill>
-              </a:rPr>
-              <a:t>Swastik Dubey </a:t>
+              <a:rPr lang="en-IN" dirty="0" err="1"/>
+              <a:t>Dhorepatil</a:t>
             </a:r>
             <a:r>
               <a:rPr lang="en-IN" dirty="0"/>
-              <a:t>below is my background information:</a:t>
+              <a:t> below is my background information:</a:t>
             </a:r>
             <a:endParaRPr lang="en-US" dirty="0"/>
           </a:p>
